--- a/thesis/Thesis Defense.pptx
+++ b/thesis/Thesis Defense.pptx
@@ -327,7 +327,7 @@
           <a:p>
             <a:fld id="{89322273-ADF2-4075-97DD-B6FA39ADEDCC}" type="datetimeFigureOut">
               <a:rPr lang="en-US" smtClean="0"/>
-              <a:t>4/25/2025</a:t>
+              <a:t>4/26/2025</a:t>
             </a:fld>
             <a:endParaRPr lang="en-US"/>
           </a:p>
@@ -504,7 +504,7 @@
           <a:p>
             <a:fld id="{89322273-ADF2-4075-97DD-B6FA39ADEDCC}" type="datetimeFigureOut">
               <a:rPr lang="en-US" smtClean="0"/>
-              <a:t>4/25/2025</a:t>
+              <a:t>4/26/2025</a:t>
             </a:fld>
             <a:endParaRPr lang="en-US"/>
           </a:p>
@@ -763,7 +763,7 @@
           <a:p>
             <a:fld id="{89322273-ADF2-4075-97DD-B6FA39ADEDCC}" type="datetimeFigureOut">
               <a:rPr lang="en-US" smtClean="0"/>
-              <a:t>4/25/2025</a:t>
+              <a:t>4/26/2025</a:t>
             </a:fld>
             <a:endParaRPr lang="en-US"/>
           </a:p>
@@ -1080,7 +1080,7 @@
           <a:p>
             <a:fld id="{89322273-ADF2-4075-97DD-B6FA39ADEDCC}" type="datetimeFigureOut">
               <a:rPr lang="en-US" smtClean="0"/>
-              <a:t>4/25/2025</a:t>
+              <a:t>4/26/2025</a:t>
             </a:fld>
             <a:endParaRPr lang="en-US"/>
           </a:p>
@@ -1391,7 +1391,7 @@
           <a:p>
             <a:fld id="{89322273-ADF2-4075-97DD-B6FA39ADEDCC}" type="datetimeFigureOut">
               <a:rPr lang="en-US" smtClean="0"/>
-              <a:t>4/25/2025</a:t>
+              <a:t>4/26/2025</a:t>
             </a:fld>
             <a:endParaRPr lang="en-US"/>
           </a:p>
@@ -1660,7 +1660,7 @@
           <a:p>
             <a:fld id="{89322273-ADF2-4075-97DD-B6FA39ADEDCC}" type="datetimeFigureOut">
               <a:rPr lang="en-US" smtClean="0"/>
-              <a:t>4/25/2025</a:t>
+              <a:t>4/26/2025</a:t>
             </a:fld>
             <a:endParaRPr lang="en-US"/>
           </a:p>
@@ -2160,7 +2160,7 @@
             <a:fld id="{89322273-ADF2-4075-97DD-B6FA39ADEDCC}" type="datetimeFigureOut">
               <a:rPr lang="en-US" smtClean="0"/>
               <a:pPr/>
-              <a:t>4/25/2025</a:t>
+              <a:t>4/26/2025</a:t>
             </a:fld>
             <a:endParaRPr lang="en-US"/>
           </a:p>
@@ -2339,7 +2339,7 @@
           <a:p>
             <a:fld id="{89322273-ADF2-4075-97DD-B6FA39ADEDCC}" type="datetimeFigureOut">
               <a:rPr lang="en-US" smtClean="0"/>
-              <a:t>4/25/2025</a:t>
+              <a:t>4/26/2025</a:t>
             </a:fld>
             <a:endParaRPr lang="en-US"/>
           </a:p>
@@ -2496,7 +2496,7 @@
           <a:p>
             <a:fld id="{89322273-ADF2-4075-97DD-B6FA39ADEDCC}" type="datetimeFigureOut">
               <a:rPr lang="en-US" smtClean="0"/>
-              <a:t>4/25/2025</a:t>
+              <a:t>4/26/2025</a:t>
             </a:fld>
             <a:endParaRPr lang="en-US"/>
           </a:p>
@@ -2809,7 +2809,7 @@
             <a:fld id="{89322273-ADF2-4075-97DD-B6FA39ADEDCC}" type="datetimeFigureOut">
               <a:rPr lang="en-US" smtClean="0"/>
               <a:pPr/>
-              <a:t>4/25/2025</a:t>
+              <a:t>4/26/2025</a:t>
             </a:fld>
             <a:endParaRPr lang="en-US"/>
           </a:p>
@@ -3140,7 +3140,7 @@
             <a:fld id="{89322273-ADF2-4075-97DD-B6FA39ADEDCC}" type="datetimeFigureOut">
               <a:rPr lang="en-US" smtClean="0"/>
               <a:pPr/>
-              <a:t>4/25/2025</a:t>
+              <a:t>4/26/2025</a:t>
             </a:fld>
             <a:endParaRPr lang="en-US"/>
           </a:p>
@@ -3414,7 +3414,7 @@
           <a:p>
             <a:fld id="{89322273-ADF2-4075-97DD-B6FA39ADEDCC}" type="datetimeFigureOut">
               <a:rPr lang="en-US" smtClean="0"/>
-              <a:t>4/25/2025</a:t>
+              <a:t>4/26/2025</a:t>
             </a:fld>
             <a:endParaRPr lang="en-US"/>
           </a:p>
